--- a/DPI_LCD.pptx
+++ b/DPI_LCD.pptx
@@ -197,7 +197,7 @@
           <a:p>
             <a:fld id="{DACF228A-7F33-D848-A1A7-0FFDA4AC8775}" type="datetimeFigureOut">
               <a:rPr kumimoji="1" lang="zh-CN" altLang="en-US" smtClean="0"/>
-              <a:t>2024/8/18</a:t>
+              <a:t>2024/8/20</a:t>
             </a:fld>
             <a:endParaRPr kumimoji="1" lang="zh-CN" altLang="en-US"/>
           </a:p>
@@ -695,7 +695,7 @@
           <a:p>
             <a:fld id="{D485C7D2-1460-3D43-ADBD-415EBDDF37A3}" type="datetimeFigureOut">
               <a:rPr kumimoji="1" lang="zh-CN" altLang="en-US" smtClean="0"/>
-              <a:t>2024/8/18</a:t>
+              <a:t>2024/8/20</a:t>
             </a:fld>
             <a:endParaRPr kumimoji="1" lang="zh-CN" altLang="en-US"/>
           </a:p>
@@ -893,7 +893,7 @@
           <a:p>
             <a:fld id="{D485C7D2-1460-3D43-ADBD-415EBDDF37A3}" type="datetimeFigureOut">
               <a:rPr kumimoji="1" lang="zh-CN" altLang="en-US" smtClean="0"/>
-              <a:t>2024/8/18</a:t>
+              <a:t>2024/8/20</a:t>
             </a:fld>
             <a:endParaRPr kumimoji="1" lang="zh-CN" altLang="en-US"/>
           </a:p>
@@ -1101,7 +1101,7 @@
           <a:p>
             <a:fld id="{D485C7D2-1460-3D43-ADBD-415EBDDF37A3}" type="datetimeFigureOut">
               <a:rPr kumimoji="1" lang="zh-CN" altLang="en-US" smtClean="0"/>
-              <a:t>2024/8/18</a:t>
+              <a:t>2024/8/20</a:t>
             </a:fld>
             <a:endParaRPr kumimoji="1" lang="zh-CN" altLang="en-US"/>
           </a:p>
@@ -1299,7 +1299,7 @@
           <a:p>
             <a:fld id="{D485C7D2-1460-3D43-ADBD-415EBDDF37A3}" type="datetimeFigureOut">
               <a:rPr kumimoji="1" lang="zh-CN" altLang="en-US" smtClean="0"/>
-              <a:t>2024/8/18</a:t>
+              <a:t>2024/8/20</a:t>
             </a:fld>
             <a:endParaRPr kumimoji="1" lang="zh-CN" altLang="en-US"/>
           </a:p>
@@ -1574,7 +1574,7 @@
           <a:p>
             <a:fld id="{D485C7D2-1460-3D43-ADBD-415EBDDF37A3}" type="datetimeFigureOut">
               <a:rPr kumimoji="1" lang="zh-CN" altLang="en-US" smtClean="0"/>
-              <a:t>2024/8/18</a:t>
+              <a:t>2024/8/20</a:t>
             </a:fld>
             <a:endParaRPr kumimoji="1" lang="zh-CN" altLang="en-US"/>
           </a:p>
@@ -1839,7 +1839,7 @@
           <a:p>
             <a:fld id="{D485C7D2-1460-3D43-ADBD-415EBDDF37A3}" type="datetimeFigureOut">
               <a:rPr kumimoji="1" lang="zh-CN" altLang="en-US" smtClean="0"/>
-              <a:t>2024/8/18</a:t>
+              <a:t>2024/8/20</a:t>
             </a:fld>
             <a:endParaRPr kumimoji="1" lang="zh-CN" altLang="en-US"/>
           </a:p>
@@ -2251,7 +2251,7 @@
           <a:p>
             <a:fld id="{D485C7D2-1460-3D43-ADBD-415EBDDF37A3}" type="datetimeFigureOut">
               <a:rPr kumimoji="1" lang="zh-CN" altLang="en-US" smtClean="0"/>
-              <a:t>2024/8/18</a:t>
+              <a:t>2024/8/20</a:t>
             </a:fld>
             <a:endParaRPr kumimoji="1" lang="zh-CN" altLang="en-US"/>
           </a:p>
@@ -2392,7 +2392,7 @@
           <a:p>
             <a:fld id="{D485C7D2-1460-3D43-ADBD-415EBDDF37A3}" type="datetimeFigureOut">
               <a:rPr kumimoji="1" lang="zh-CN" altLang="en-US" smtClean="0"/>
-              <a:t>2024/8/18</a:t>
+              <a:t>2024/8/20</a:t>
             </a:fld>
             <a:endParaRPr kumimoji="1" lang="zh-CN" altLang="en-US"/>
           </a:p>
@@ -2505,7 +2505,7 @@
           <a:p>
             <a:fld id="{D485C7D2-1460-3D43-ADBD-415EBDDF37A3}" type="datetimeFigureOut">
               <a:rPr kumimoji="1" lang="zh-CN" altLang="en-US" smtClean="0"/>
-              <a:t>2024/8/18</a:t>
+              <a:t>2024/8/20</a:t>
             </a:fld>
             <a:endParaRPr kumimoji="1" lang="zh-CN" altLang="en-US"/>
           </a:p>
@@ -2816,7 +2816,7 @@
           <a:p>
             <a:fld id="{D485C7D2-1460-3D43-ADBD-415EBDDF37A3}" type="datetimeFigureOut">
               <a:rPr kumimoji="1" lang="zh-CN" altLang="en-US" smtClean="0"/>
-              <a:t>2024/8/18</a:t>
+              <a:t>2024/8/20</a:t>
             </a:fld>
             <a:endParaRPr kumimoji="1" lang="zh-CN" altLang="en-US"/>
           </a:p>
@@ -3104,7 +3104,7 @@
           <a:p>
             <a:fld id="{D485C7D2-1460-3D43-ADBD-415EBDDF37A3}" type="datetimeFigureOut">
               <a:rPr kumimoji="1" lang="zh-CN" altLang="en-US" smtClean="0"/>
-              <a:t>2024/8/18</a:t>
+              <a:t>2024/8/20</a:t>
             </a:fld>
             <a:endParaRPr kumimoji="1" lang="zh-CN" altLang="en-US"/>
           </a:p>
@@ -3345,7 +3345,7 @@
           <a:p>
             <a:fld id="{D485C7D2-1460-3D43-ADBD-415EBDDF37A3}" type="datetimeFigureOut">
               <a:rPr kumimoji="1" lang="zh-CN" altLang="en-US" smtClean="0"/>
-              <a:t>2024/8/18</a:t>
+              <a:t>2024/8/20</a:t>
             </a:fld>
             <a:endParaRPr kumimoji="1" lang="zh-CN" altLang="en-US"/>
           </a:p>
@@ -3953,8 +3953,8 @@
         </p:nvSpPr>
         <p:spPr>
           <a:xfrm>
-            <a:off x="3521458" y="3273248"/>
-            <a:ext cx="509755" cy="2369880"/>
+            <a:off x="3508758" y="3273248"/>
+            <a:ext cx="553037" cy="2369880"/>
           </a:xfrm>
           <a:prstGeom prst="rect">
             <a:avLst/>
@@ -4053,17 +4053,17 @@
                   <a:srgbClr val="FF0000"/>
                 </a:solidFill>
               </a:rPr>
-              <a:t>32: LCD_CLK</a:t>
+              <a:t>32: LCD_PCLK</a:t>
             </a:r>
           </a:p>
           <a:p>
             <a:r>
               <a:rPr kumimoji="1" lang="en-US" altLang="zh-CN" sz="700" b="1" dirty="0">
                 <a:solidFill>
-                  <a:srgbClr val="FF0000"/>
-                </a:solidFill>
-              </a:rPr>
-              <a:t>30:</a:t>
+                  <a:srgbClr val="7030A0"/>
+                </a:solidFill>
+              </a:rPr>
+              <a:t>30: CS</a:t>
             </a:r>
           </a:p>
           <a:p>
@@ -4093,19 +4093,22 @@
               </a:rPr>
               <a:t> </a:t>
             </a:r>
-            <a:endParaRPr kumimoji="1" lang="en-US" altLang="zh-CN" sz="700" b="1" dirty="0">
-              <a:solidFill>
-                <a:srgbClr val="FF0000"/>
-              </a:solidFill>
-            </a:endParaRPr>
-          </a:p>
-          <a:p>
             <a:r>
               <a:rPr kumimoji="1" lang="en-US" altLang="zh-CN" sz="700" b="1" dirty="0">
                 <a:solidFill>
                   <a:srgbClr val="FF0000"/>
                 </a:solidFill>
               </a:rPr>
+              <a:t>B1?</a:t>
+            </a:r>
+          </a:p>
+          <a:p>
+            <a:r>
+              <a:rPr kumimoji="1" lang="en-US" altLang="zh-CN" sz="700" b="1" dirty="0">
+                <a:solidFill>
+                  <a:srgbClr val="FF0000"/>
+                </a:solidFill>
+              </a:rPr>
               <a:t>24: B3</a:t>
             </a:r>
           </a:p>
@@ -4136,7 +4139,7 @@
                   <a:srgbClr val="FF0000"/>
                 </a:solidFill>
               </a:rPr>
-              <a:t>18:</a:t>
+              <a:t>18: G0?</a:t>
             </a:r>
           </a:p>
           <a:p>
@@ -4186,7 +4189,7 @@
                   <a:srgbClr val="FF0000"/>
                 </a:solidFill>
               </a:rPr>
-              <a:t>8:</a:t>
+              <a:t>8: R1?</a:t>
             </a:r>
           </a:p>
           <a:p>
@@ -4240,7 +4243,7 @@
         </p:nvSpPr>
         <p:spPr>
           <a:xfrm>
-            <a:off x="4061338" y="3211897"/>
+            <a:off x="4077213" y="3211897"/>
             <a:ext cx="574231" cy="2477601"/>
           </a:xfrm>
           <a:prstGeom prst="rect">
@@ -4331,20 +4334,20 @@
             <a:r>
               <a:rPr kumimoji="1" lang="en-US" altLang="zh-CN" sz="700" b="1" dirty="0">
                 <a:solidFill>
-                  <a:srgbClr val="FF0000"/>
-                </a:solidFill>
-              </a:rPr>
-              <a:t>31: </a:t>
+                  <a:srgbClr val="7030A0"/>
+                </a:solidFill>
+              </a:rPr>
+              <a:t>31: SCLK</a:t>
             </a:r>
           </a:p>
           <a:p>
             <a:r>
               <a:rPr kumimoji="1" lang="en-US" altLang="zh-CN" sz="700" b="1" dirty="0">
                 <a:solidFill>
-                  <a:srgbClr val="FF0000"/>
-                </a:solidFill>
-              </a:rPr>
-              <a:t>29:</a:t>
+                  <a:srgbClr val="7030A0"/>
+                </a:solidFill>
+              </a:rPr>
+              <a:t>29: MOSI</a:t>
             </a:r>
           </a:p>
           <a:p>
@@ -4354,7 +4357,7 @@
                   <a:srgbClr val="FF0000"/>
                 </a:solidFill>
               </a:rPr>
-              <a:t>27:</a:t>
+              <a:t>27: B0?</a:t>
             </a:r>
           </a:p>
           <a:p>
@@ -4404,7 +4407,7 @@
                   <a:srgbClr val="FF0000"/>
                 </a:solidFill>
               </a:rPr>
-              <a:t>17: </a:t>
+              <a:t>17: G1?</a:t>
             </a:r>
           </a:p>
           <a:p>
@@ -4444,7 +4447,7 @@
                   <a:srgbClr val="FF0000"/>
                 </a:solidFill>
               </a:rPr>
-              <a:t>9:</a:t>
+              <a:t>9: R0?</a:t>
             </a:r>
           </a:p>
           <a:p>
@@ -6048,7 +6051,7 @@
         </p:nvSpPr>
         <p:spPr>
           <a:xfrm>
-            <a:off x="1382051" y="5179393"/>
+            <a:off x="1410679" y="5034153"/>
             <a:ext cx="450444" cy="92333"/>
           </a:xfrm>
           <a:prstGeom prst="rect">
@@ -11892,6 +11895,476 @@
               <a:t>TP_SDA</a:t>
             </a:r>
             <a:endParaRPr kumimoji="1" lang="zh-CN" altLang="en-US" sz="1000" b="1" dirty="0">
+              <a:solidFill>
+                <a:srgbClr val="FF0000"/>
+              </a:solidFill>
+            </a:endParaRPr>
+          </a:p>
+        </p:txBody>
+      </p:sp>
+      <p:sp>
+        <p:nvSpPr>
+          <p:cNvPr id="165" name="文本框 164">
+            <a:extLst>
+              <a:ext uri="{FF2B5EF4-FFF2-40B4-BE49-F238E27FC236}">
+                <a16:creationId xmlns:a16="http://schemas.microsoft.com/office/drawing/2014/main" id="{61E5C41D-FAE4-7AE5-0D2C-451A50B798B2}"/>
+              </a:ext>
+            </a:extLst>
+          </p:cNvPr>
+          <p:cNvSpPr txBox="1"/>
+          <p:nvPr/>
+        </p:nvSpPr>
+        <p:spPr>
+          <a:xfrm rot="16200000">
+            <a:off x="1524317" y="5619204"/>
+            <a:ext cx="173124" cy="61555"/>
+          </a:xfrm>
+          <a:prstGeom prst="rect">
+            <a:avLst/>
+          </a:prstGeom>
+          <a:solidFill>
+            <a:srgbClr val="FBFF00">
+              <a:alpha val="54118"/>
+            </a:srgbClr>
+          </a:solidFill>
+        </p:spPr>
+        <p:txBody>
+          <a:bodyPr wrap="none" lIns="0" tIns="0" rIns="0" bIns="0" rtlCol="0">
+            <a:spAutoFit/>
+          </a:bodyPr>
+          <a:lstStyle/>
+          <a:p>
+            <a:r>
+              <a:rPr kumimoji="1" lang="en-US" altLang="zh-CN" sz="400" b="1" dirty="0">
+                <a:solidFill>
+                  <a:srgbClr val="7030A0"/>
+                </a:solidFill>
+              </a:rPr>
+              <a:t>5: SCLK</a:t>
+            </a:r>
+            <a:endParaRPr kumimoji="1" lang="zh-CN" altLang="en-US" sz="800" b="1" dirty="0">
+              <a:solidFill>
+                <a:srgbClr val="7030A0"/>
+              </a:solidFill>
+            </a:endParaRPr>
+          </a:p>
+        </p:txBody>
+      </p:sp>
+      <p:sp>
+        <p:nvSpPr>
+          <p:cNvPr id="166" name="文本框 165">
+            <a:extLst>
+              <a:ext uri="{FF2B5EF4-FFF2-40B4-BE49-F238E27FC236}">
+                <a16:creationId xmlns:a16="http://schemas.microsoft.com/office/drawing/2014/main" id="{B2A6D28D-1DAF-3745-E037-075A9A5A7202}"/>
+              </a:ext>
+            </a:extLst>
+          </p:cNvPr>
+          <p:cNvSpPr txBox="1"/>
+          <p:nvPr/>
+        </p:nvSpPr>
+        <p:spPr>
+          <a:xfrm rot="16200000">
+            <a:off x="1264132" y="5617544"/>
+            <a:ext cx="184346" cy="61555"/>
+          </a:xfrm>
+          <a:prstGeom prst="rect">
+            <a:avLst/>
+          </a:prstGeom>
+          <a:solidFill>
+            <a:srgbClr val="FBFF00">
+              <a:alpha val="54118"/>
+            </a:srgbClr>
+          </a:solidFill>
+        </p:spPr>
+        <p:txBody>
+          <a:bodyPr wrap="none" lIns="0" tIns="0" rIns="0" bIns="0" rtlCol="0">
+            <a:spAutoFit/>
+          </a:bodyPr>
+          <a:lstStyle/>
+          <a:p>
+            <a:r>
+              <a:rPr kumimoji="1" lang="en-US" altLang="zh-CN" sz="400" b="1" dirty="0">
+                <a:solidFill>
+                  <a:srgbClr val="7030A0"/>
+                </a:solidFill>
+              </a:rPr>
+              <a:t>1: MOSI</a:t>
+            </a:r>
+            <a:endParaRPr kumimoji="1" lang="zh-CN" altLang="en-US" sz="800" b="1" dirty="0">
+              <a:solidFill>
+                <a:srgbClr val="7030A0"/>
+              </a:solidFill>
+            </a:endParaRPr>
+          </a:p>
+        </p:txBody>
+      </p:sp>
+      <p:sp>
+        <p:nvSpPr>
+          <p:cNvPr id="167" name="文本框 166">
+            <a:extLst>
+              <a:ext uri="{FF2B5EF4-FFF2-40B4-BE49-F238E27FC236}">
+                <a16:creationId xmlns:a16="http://schemas.microsoft.com/office/drawing/2014/main" id="{9307CA92-E8A2-53AD-0CAD-80092494036D}"/>
+              </a:ext>
+            </a:extLst>
+          </p:cNvPr>
+          <p:cNvSpPr txBox="1"/>
+          <p:nvPr/>
+        </p:nvSpPr>
+        <p:spPr>
+          <a:xfrm rot="16200000">
+            <a:off x="1367389" y="5601669"/>
+            <a:ext cx="115416" cy="61555"/>
+          </a:xfrm>
+          <a:prstGeom prst="rect">
+            <a:avLst/>
+          </a:prstGeom>
+          <a:solidFill>
+            <a:srgbClr val="FBFF00">
+              <a:alpha val="54118"/>
+            </a:srgbClr>
+          </a:solidFill>
+        </p:spPr>
+        <p:txBody>
+          <a:bodyPr wrap="none" lIns="0" tIns="0" rIns="0" bIns="0" rtlCol="0">
+            <a:spAutoFit/>
+          </a:bodyPr>
+          <a:lstStyle/>
+          <a:p>
+            <a:r>
+              <a:rPr kumimoji="1" lang="en-US" altLang="zh-CN" sz="400" b="1" dirty="0">
+                <a:solidFill>
+                  <a:srgbClr val="7030A0"/>
+                </a:solidFill>
+              </a:rPr>
+              <a:t>2: CS</a:t>
+            </a:r>
+            <a:endParaRPr kumimoji="1" lang="zh-CN" altLang="en-US" sz="800" b="1" dirty="0">
+              <a:solidFill>
+                <a:srgbClr val="7030A0"/>
+              </a:solidFill>
+            </a:endParaRPr>
+          </a:p>
+        </p:txBody>
+      </p:sp>
+      <p:sp>
+        <p:nvSpPr>
+          <p:cNvPr id="168" name="文本框 167">
+            <a:extLst>
+              <a:ext uri="{FF2B5EF4-FFF2-40B4-BE49-F238E27FC236}">
+                <a16:creationId xmlns:a16="http://schemas.microsoft.com/office/drawing/2014/main" id="{D11A186A-9736-BEFF-13F0-3B4196471B4F}"/>
+              </a:ext>
+            </a:extLst>
+          </p:cNvPr>
+          <p:cNvSpPr txBox="1"/>
+          <p:nvPr/>
+        </p:nvSpPr>
+        <p:spPr>
+          <a:xfrm rot="16200000">
+            <a:off x="1290408" y="5780951"/>
+            <a:ext cx="131446" cy="61555"/>
+          </a:xfrm>
+          <a:prstGeom prst="rect">
+            <a:avLst/>
+          </a:prstGeom>
+          <a:solidFill>
+            <a:srgbClr val="FBFF00">
+              <a:alpha val="54118"/>
+            </a:srgbClr>
+          </a:solidFill>
+        </p:spPr>
+        <p:txBody>
+          <a:bodyPr wrap="none" lIns="0" tIns="0" rIns="0" bIns="0" rtlCol="0">
+            <a:spAutoFit/>
+          </a:bodyPr>
+          <a:lstStyle/>
+          <a:p>
+            <a:r>
+              <a:rPr kumimoji="1" lang="zh-CN" altLang="en-US" sz="400" b="1" dirty="0">
+                <a:solidFill>
+                  <a:srgbClr val="7030A0"/>
+                </a:solidFill>
+              </a:rPr>
+              <a:t>平时</a:t>
+            </a:r>
+            <a:r>
+              <a:rPr kumimoji="1" lang="en-US" altLang="zh-CN" sz="400" b="1" dirty="0">
+                <a:solidFill>
+                  <a:srgbClr val="7030A0"/>
+                </a:solidFill>
+              </a:rPr>
+              <a:t>0</a:t>
+            </a:r>
+            <a:endParaRPr kumimoji="1" lang="zh-CN" altLang="en-US" sz="800" b="1" dirty="0">
+              <a:solidFill>
+                <a:srgbClr val="7030A0"/>
+              </a:solidFill>
+            </a:endParaRPr>
+          </a:p>
+        </p:txBody>
+      </p:sp>
+      <p:sp>
+        <p:nvSpPr>
+          <p:cNvPr id="169" name="文本框 168">
+            <a:extLst>
+              <a:ext uri="{FF2B5EF4-FFF2-40B4-BE49-F238E27FC236}">
+                <a16:creationId xmlns:a16="http://schemas.microsoft.com/office/drawing/2014/main" id="{D9009C29-76F1-3927-D513-6B6A026A3290}"/>
+              </a:ext>
+            </a:extLst>
+          </p:cNvPr>
+          <p:cNvSpPr txBox="1"/>
+          <p:nvPr/>
+        </p:nvSpPr>
+        <p:spPr>
+          <a:xfrm rot="16200000">
+            <a:off x="1338535" y="5772419"/>
+            <a:ext cx="173124" cy="61555"/>
+          </a:xfrm>
+          <a:prstGeom prst="rect">
+            <a:avLst/>
+          </a:prstGeom>
+          <a:solidFill>
+            <a:srgbClr val="FBFF00">
+              <a:alpha val="54118"/>
+            </a:srgbClr>
+          </a:solidFill>
+        </p:spPr>
+        <p:txBody>
+          <a:bodyPr wrap="none" lIns="0" tIns="0" rIns="0" bIns="0" rtlCol="0">
+            <a:spAutoFit/>
+          </a:bodyPr>
+          <a:lstStyle/>
+          <a:p>
+            <a:r>
+              <a:rPr kumimoji="1" lang="zh-CN" altLang="en-US" sz="400" b="1" dirty="0">
+                <a:solidFill>
+                  <a:srgbClr val="7030A0"/>
+                </a:solidFill>
+              </a:rPr>
+              <a:t>平时</a:t>
+            </a:r>
+            <a:r>
+              <a:rPr kumimoji="1" lang="en-US" altLang="zh-CN" sz="400" b="1" dirty="0">
+                <a:solidFill>
+                  <a:srgbClr val="7030A0"/>
+                </a:solidFill>
+              </a:rPr>
+              <a:t>3.3</a:t>
+            </a:r>
+            <a:endParaRPr kumimoji="1" lang="zh-CN" altLang="en-US" sz="800" b="1" dirty="0">
+              <a:solidFill>
+                <a:srgbClr val="7030A0"/>
+              </a:solidFill>
+            </a:endParaRPr>
+          </a:p>
+        </p:txBody>
+      </p:sp>
+      <p:sp>
+        <p:nvSpPr>
+          <p:cNvPr id="171" name="文本框 170">
+            <a:extLst>
+              <a:ext uri="{FF2B5EF4-FFF2-40B4-BE49-F238E27FC236}">
+                <a16:creationId xmlns:a16="http://schemas.microsoft.com/office/drawing/2014/main" id="{37DC55DB-CCA7-1F3E-C4C9-106B3B833FFE}"/>
+              </a:ext>
+            </a:extLst>
+          </p:cNvPr>
+          <p:cNvSpPr txBox="1"/>
+          <p:nvPr/>
+        </p:nvSpPr>
+        <p:spPr>
+          <a:xfrm rot="16200000">
+            <a:off x="1525519" y="5762488"/>
+            <a:ext cx="173124" cy="123111"/>
+          </a:xfrm>
+          <a:prstGeom prst="rect">
+            <a:avLst/>
+          </a:prstGeom>
+          <a:solidFill>
+            <a:srgbClr val="FBFF00">
+              <a:alpha val="54118"/>
+            </a:srgbClr>
+          </a:solidFill>
+        </p:spPr>
+        <p:txBody>
+          <a:bodyPr wrap="none" lIns="0" tIns="0" rIns="0" bIns="0" rtlCol="0">
+            <a:spAutoFit/>
+          </a:bodyPr>
+          <a:lstStyle/>
+          <a:p>
+            <a:r>
+              <a:rPr kumimoji="1" lang="zh-CN" altLang="en-US" sz="400" b="1" dirty="0">
+                <a:solidFill>
+                  <a:srgbClr val="7030A0"/>
+                </a:solidFill>
+              </a:rPr>
+              <a:t>开机</a:t>
+            </a:r>
+            <a:r>
+              <a:rPr kumimoji="1" lang="en-US" altLang="zh-CN" sz="400" b="1" dirty="0">
+                <a:solidFill>
+                  <a:srgbClr val="7030A0"/>
+                </a:solidFill>
+              </a:rPr>
+              <a:t>1.6</a:t>
+            </a:r>
+          </a:p>
+          <a:p>
+            <a:r>
+              <a:rPr kumimoji="1" lang="zh-CN" altLang="en-US" sz="400" b="1" dirty="0">
+                <a:solidFill>
+                  <a:srgbClr val="7030A0"/>
+                </a:solidFill>
+              </a:rPr>
+              <a:t>平时</a:t>
+            </a:r>
+            <a:r>
+              <a:rPr kumimoji="1" lang="en-US" altLang="zh-CN" sz="400" b="1" dirty="0">
+                <a:solidFill>
+                  <a:srgbClr val="7030A0"/>
+                </a:solidFill>
+              </a:rPr>
+              <a:t>3.3</a:t>
+            </a:r>
+            <a:endParaRPr kumimoji="1" lang="zh-CN" altLang="en-US" sz="800" b="1" dirty="0">
+              <a:solidFill>
+                <a:srgbClr val="7030A0"/>
+              </a:solidFill>
+            </a:endParaRPr>
+          </a:p>
+        </p:txBody>
+      </p:sp>
+      <p:sp>
+        <p:nvSpPr>
+          <p:cNvPr id="170" name="文本框 169">
+            <a:extLst>
+              <a:ext uri="{FF2B5EF4-FFF2-40B4-BE49-F238E27FC236}">
+                <a16:creationId xmlns:a16="http://schemas.microsoft.com/office/drawing/2014/main" id="{E0A00836-09E6-A16C-9746-8E68D1981810}"/>
+              </a:ext>
+            </a:extLst>
+          </p:cNvPr>
+          <p:cNvSpPr txBox="1"/>
+          <p:nvPr/>
+        </p:nvSpPr>
+        <p:spPr>
+          <a:xfrm>
+            <a:off x="1276575" y="5138465"/>
+            <a:ext cx="798295" cy="276999"/>
+          </a:xfrm>
+          <a:prstGeom prst="rect">
+            <a:avLst/>
+          </a:prstGeom>
+          <a:solidFill>
+            <a:srgbClr val="FBFF00">
+              <a:alpha val="54118"/>
+            </a:srgbClr>
+          </a:solidFill>
+        </p:spPr>
+        <p:txBody>
+          <a:bodyPr wrap="none" lIns="0" tIns="0" rIns="0" bIns="0" rtlCol="0">
+            <a:spAutoFit/>
+          </a:bodyPr>
+          <a:lstStyle/>
+          <a:p>
+            <a:r>
+              <a:rPr kumimoji="1" lang="zh-CN" altLang="en-US" sz="600" b="1" dirty="0">
+                <a:solidFill>
+                  <a:srgbClr val="FF0000"/>
+                </a:solidFill>
+              </a:rPr>
+              <a:t>绿色</a:t>
+            </a:r>
+            <a:r>
+              <a:rPr kumimoji="1" lang="en-US" altLang="zh-CN" sz="600" b="1" dirty="0">
+                <a:solidFill>
+                  <a:srgbClr val="FF0000"/>
+                </a:solidFill>
+              </a:rPr>
+              <a:t>1 MOSI </a:t>
+            </a:r>
+            <a:r>
+              <a:rPr kumimoji="1" lang="zh-CN" altLang="en-US" sz="600" b="1" dirty="0">
+                <a:solidFill>
+                  <a:srgbClr val="FF0000"/>
+                </a:solidFill>
+              </a:rPr>
+              <a:t>静止后</a:t>
+            </a:r>
+            <a:r>
+              <a:rPr kumimoji="1" lang="en-US" altLang="zh-CN" sz="600" b="1" dirty="0">
+                <a:solidFill>
+                  <a:srgbClr val="FF0000"/>
+                </a:solidFill>
+              </a:rPr>
+              <a:t>0V</a:t>
+            </a:r>
+          </a:p>
+          <a:p>
+            <a:r>
+              <a:rPr kumimoji="1" lang="zh-CN" altLang="en-US" sz="600" b="1" dirty="0">
+                <a:solidFill>
+                  <a:srgbClr val="FF0000"/>
+                </a:solidFill>
+              </a:rPr>
+              <a:t>黄色</a:t>
+            </a:r>
+            <a:r>
+              <a:rPr kumimoji="1" lang="en-US" altLang="zh-CN" sz="600" b="1" dirty="0">
+                <a:solidFill>
+                  <a:srgbClr val="FF0000"/>
+                </a:solidFill>
+              </a:rPr>
+              <a:t>5 SCLK </a:t>
+            </a:r>
+            <a:r>
+              <a:rPr kumimoji="1" lang="zh-CN" altLang="en-US" sz="600" b="1" dirty="0">
+                <a:solidFill>
+                  <a:srgbClr val="FF0000"/>
+                </a:solidFill>
+              </a:rPr>
+              <a:t>静止后</a:t>
+            </a:r>
+            <a:r>
+              <a:rPr kumimoji="1" lang="en-US" altLang="zh-CN" sz="600" b="1" dirty="0">
+                <a:solidFill>
+                  <a:srgbClr val="FF0000"/>
+                </a:solidFill>
+              </a:rPr>
+              <a:t>3.3V</a:t>
+            </a:r>
+          </a:p>
+          <a:p>
+            <a:r>
+              <a:rPr kumimoji="1" lang="zh-CN" altLang="en-US" sz="600" b="1" dirty="0">
+                <a:solidFill>
+                  <a:srgbClr val="FF0000"/>
+                </a:solidFill>
+              </a:rPr>
+              <a:t>紫色</a:t>
+            </a:r>
+            <a:r>
+              <a:rPr kumimoji="1" lang="en-US" altLang="zh-CN" sz="600" b="1" dirty="0">
+                <a:solidFill>
+                  <a:srgbClr val="FF0000"/>
+                </a:solidFill>
+              </a:rPr>
+              <a:t>2 CS </a:t>
+            </a:r>
+            <a:r>
+              <a:rPr kumimoji="1" lang="zh-CN" altLang="en-US" sz="600" b="1" dirty="0">
+                <a:solidFill>
+                  <a:srgbClr val="FF0000"/>
+                </a:solidFill>
+              </a:rPr>
+              <a:t>静止后</a:t>
+            </a:r>
+            <a:r>
+              <a:rPr kumimoji="1" lang="en-US" altLang="zh-CN" sz="600" b="1" dirty="0">
+                <a:solidFill>
+                  <a:srgbClr val="FF0000"/>
+                </a:solidFill>
+              </a:rPr>
+              <a:t>3.3V</a:t>
+            </a:r>
+            <a:endParaRPr kumimoji="1" lang="zh-CN" altLang="en-US" sz="900" b="1" dirty="0">
               <a:solidFill>
                 <a:srgbClr val="FF0000"/>
               </a:solidFill>

--- a/DPI_LCD.pptx
+++ b/DPI_LCD.pptx
@@ -5,12 +5,13 @@
     <p:sldMasterId id="2147483648" r:id="rId1"/>
   </p:sldMasterIdLst>
   <p:notesMasterIdLst>
-    <p:notesMasterId r:id="rId5"/>
+    <p:notesMasterId r:id="rId6"/>
   </p:notesMasterIdLst>
   <p:sldIdLst>
     <p:sldId id="256" r:id="rId2"/>
     <p:sldId id="257" r:id="rId3"/>
     <p:sldId id="258" r:id="rId4"/>
+    <p:sldId id="259" r:id="rId5"/>
   </p:sldIdLst>
   <p:sldSz cx="12192000" cy="6858000"/>
   <p:notesSz cx="6858000" cy="9144000"/>
@@ -199,7 +200,7 @@
           <a:p>
             <a:fld id="{DACF228A-7F33-D848-A1A7-0FFDA4AC8775}" type="datetimeFigureOut">
               <a:rPr kumimoji="1" lang="zh-CN" altLang="en-US" smtClean="0"/>
-              <a:t>2024/8/24</a:t>
+              <a:t>2024/8/25</a:t>
             </a:fld>
             <a:endParaRPr kumimoji="1" lang="zh-CN" altLang="en-US"/>
           </a:p>
@@ -697,7 +698,7 @@
           <a:p>
             <a:fld id="{D485C7D2-1460-3D43-ADBD-415EBDDF37A3}" type="datetimeFigureOut">
               <a:rPr kumimoji="1" lang="zh-CN" altLang="en-US" smtClean="0"/>
-              <a:t>2024/8/24</a:t>
+              <a:t>2024/8/25</a:t>
             </a:fld>
             <a:endParaRPr kumimoji="1" lang="zh-CN" altLang="en-US"/>
           </a:p>
@@ -895,7 +896,7 @@
           <a:p>
             <a:fld id="{D485C7D2-1460-3D43-ADBD-415EBDDF37A3}" type="datetimeFigureOut">
               <a:rPr kumimoji="1" lang="zh-CN" altLang="en-US" smtClean="0"/>
-              <a:t>2024/8/24</a:t>
+              <a:t>2024/8/25</a:t>
             </a:fld>
             <a:endParaRPr kumimoji="1" lang="zh-CN" altLang="en-US"/>
           </a:p>
@@ -1103,7 +1104,7 @@
           <a:p>
             <a:fld id="{D485C7D2-1460-3D43-ADBD-415EBDDF37A3}" type="datetimeFigureOut">
               <a:rPr kumimoji="1" lang="zh-CN" altLang="en-US" smtClean="0"/>
-              <a:t>2024/8/24</a:t>
+              <a:t>2024/8/25</a:t>
             </a:fld>
             <a:endParaRPr kumimoji="1" lang="zh-CN" altLang="en-US"/>
           </a:p>
@@ -1301,7 +1302,7 @@
           <a:p>
             <a:fld id="{D485C7D2-1460-3D43-ADBD-415EBDDF37A3}" type="datetimeFigureOut">
               <a:rPr kumimoji="1" lang="zh-CN" altLang="en-US" smtClean="0"/>
-              <a:t>2024/8/24</a:t>
+              <a:t>2024/8/25</a:t>
             </a:fld>
             <a:endParaRPr kumimoji="1" lang="zh-CN" altLang="en-US"/>
           </a:p>
@@ -1576,7 +1577,7 @@
           <a:p>
             <a:fld id="{D485C7D2-1460-3D43-ADBD-415EBDDF37A3}" type="datetimeFigureOut">
               <a:rPr kumimoji="1" lang="zh-CN" altLang="en-US" smtClean="0"/>
-              <a:t>2024/8/24</a:t>
+              <a:t>2024/8/25</a:t>
             </a:fld>
             <a:endParaRPr kumimoji="1" lang="zh-CN" altLang="en-US"/>
           </a:p>
@@ -1841,7 +1842,7 @@
           <a:p>
             <a:fld id="{D485C7D2-1460-3D43-ADBD-415EBDDF37A3}" type="datetimeFigureOut">
               <a:rPr kumimoji="1" lang="zh-CN" altLang="en-US" smtClean="0"/>
-              <a:t>2024/8/24</a:t>
+              <a:t>2024/8/25</a:t>
             </a:fld>
             <a:endParaRPr kumimoji="1" lang="zh-CN" altLang="en-US"/>
           </a:p>
@@ -2253,7 +2254,7 @@
           <a:p>
             <a:fld id="{D485C7D2-1460-3D43-ADBD-415EBDDF37A3}" type="datetimeFigureOut">
               <a:rPr kumimoji="1" lang="zh-CN" altLang="en-US" smtClean="0"/>
-              <a:t>2024/8/24</a:t>
+              <a:t>2024/8/25</a:t>
             </a:fld>
             <a:endParaRPr kumimoji="1" lang="zh-CN" altLang="en-US"/>
           </a:p>
@@ -2394,7 +2395,7 @@
           <a:p>
             <a:fld id="{D485C7D2-1460-3D43-ADBD-415EBDDF37A3}" type="datetimeFigureOut">
               <a:rPr kumimoji="1" lang="zh-CN" altLang="en-US" smtClean="0"/>
-              <a:t>2024/8/24</a:t>
+              <a:t>2024/8/25</a:t>
             </a:fld>
             <a:endParaRPr kumimoji="1" lang="zh-CN" altLang="en-US"/>
           </a:p>
@@ -2507,7 +2508,7 @@
           <a:p>
             <a:fld id="{D485C7D2-1460-3D43-ADBD-415EBDDF37A3}" type="datetimeFigureOut">
               <a:rPr kumimoji="1" lang="zh-CN" altLang="en-US" smtClean="0"/>
-              <a:t>2024/8/24</a:t>
+              <a:t>2024/8/25</a:t>
             </a:fld>
             <a:endParaRPr kumimoji="1" lang="zh-CN" altLang="en-US"/>
           </a:p>
@@ -2818,7 +2819,7 @@
           <a:p>
             <a:fld id="{D485C7D2-1460-3D43-ADBD-415EBDDF37A3}" type="datetimeFigureOut">
               <a:rPr kumimoji="1" lang="zh-CN" altLang="en-US" smtClean="0"/>
-              <a:t>2024/8/24</a:t>
+              <a:t>2024/8/25</a:t>
             </a:fld>
             <a:endParaRPr kumimoji="1" lang="zh-CN" altLang="en-US"/>
           </a:p>
@@ -3106,7 +3107,7 @@
           <a:p>
             <a:fld id="{D485C7D2-1460-3D43-ADBD-415EBDDF37A3}" type="datetimeFigureOut">
               <a:rPr kumimoji="1" lang="zh-CN" altLang="en-US" smtClean="0"/>
-              <a:t>2024/8/24</a:t>
+              <a:t>2024/8/25</a:t>
             </a:fld>
             <a:endParaRPr kumimoji="1" lang="zh-CN" altLang="en-US"/>
           </a:p>
@@ -3347,7 +3348,7 @@
           <a:p>
             <a:fld id="{D485C7D2-1460-3D43-ADBD-415EBDDF37A3}" type="datetimeFigureOut">
               <a:rPr kumimoji="1" lang="zh-CN" altLang="en-US" smtClean="0"/>
-              <a:t>2024/8/24</a:t>
+              <a:t>2024/8/25</a:t>
             </a:fld>
             <a:endParaRPr kumimoji="1" lang="zh-CN" altLang="en-US"/>
           </a:p>
@@ -14609,6 +14610,205 @@
     <p:extLst>
       <p:ext uri="{BB962C8B-B14F-4D97-AF65-F5344CB8AC3E}">
         <p14:creationId xmlns:p14="http://schemas.microsoft.com/office/powerpoint/2010/main" val="133009455"/>
+      </p:ext>
+    </p:extLst>
+  </p:cSld>
+  <p:clrMapOvr>
+    <a:masterClrMapping/>
+  </p:clrMapOvr>
+</p:sld>
+</file>
+
+<file path=ppt/slides/slide4.xml><?xml version="1.0" encoding="utf-8"?>
+<p:sld xmlns:a="http://schemas.openxmlformats.org/drawingml/2006/main" xmlns:r="http://schemas.openxmlformats.org/officeDocument/2006/relationships" xmlns:p="http://schemas.openxmlformats.org/presentationml/2006/main">
+  <p:cSld>
+    <p:spTree>
+      <p:nvGrpSpPr>
+        <p:cNvPr id="1" name=""/>
+        <p:cNvGrpSpPr/>
+        <p:nvPr/>
+      </p:nvGrpSpPr>
+      <p:grpSpPr>
+        <a:xfrm>
+          <a:off x="0" y="0"/>
+          <a:ext cx="0" cy="0"/>
+          <a:chOff x="0" y="0"/>
+          <a:chExt cx="0" cy="0"/>
+        </a:xfrm>
+      </p:grpSpPr>
+      <p:pic>
+        <p:nvPicPr>
+          <p:cNvPr id="5" name="内容占位符 4">
+            <a:extLst>
+              <a:ext uri="{FF2B5EF4-FFF2-40B4-BE49-F238E27FC236}">
+                <a16:creationId xmlns:a16="http://schemas.microsoft.com/office/drawing/2014/main" id="{B4BFAFB3-9748-F2E6-6883-E3186869A0B0}"/>
+              </a:ext>
+            </a:extLst>
+          </p:cNvPr>
+          <p:cNvPicPr>
+            <a:picLocks noGrp="1" noChangeAspect="1"/>
+          </p:cNvPicPr>
+          <p:nvPr>
+            <p:ph idx="1"/>
+          </p:nvPr>
+        </p:nvPicPr>
+        <p:blipFill>
+          <a:blip r:embed="rId2"/>
+          <a:stretch>
+            <a:fillRect/>
+          </a:stretch>
+        </p:blipFill>
+        <p:spPr>
+          <a:xfrm>
+            <a:off x="693234" y="1589409"/>
+            <a:ext cx="10400495" cy="2719544"/>
+          </a:xfrm>
+        </p:spPr>
+      </p:pic>
+      <p:sp>
+        <p:nvSpPr>
+          <p:cNvPr id="6" name="文本框 5">
+            <a:extLst>
+              <a:ext uri="{FF2B5EF4-FFF2-40B4-BE49-F238E27FC236}">
+                <a16:creationId xmlns:a16="http://schemas.microsoft.com/office/drawing/2014/main" id="{2D236741-06A1-F877-074C-739A1EAAE522}"/>
+              </a:ext>
+            </a:extLst>
+          </p:cNvPr>
+          <p:cNvSpPr txBox="1"/>
+          <p:nvPr/>
+        </p:nvSpPr>
+        <p:spPr>
+          <a:xfrm>
+            <a:off x="1340285" y="2041742"/>
+            <a:ext cx="9496189" cy="338554"/>
+          </a:xfrm>
+          <a:prstGeom prst="rect">
+            <a:avLst/>
+          </a:prstGeom>
+          <a:noFill/>
+        </p:spPr>
+        <p:txBody>
+          <a:bodyPr wrap="none" rtlCol="0">
+            <a:spAutoFit/>
+          </a:bodyPr>
+          <a:lstStyle/>
+          <a:p>
+            <a:r>
+              <a:rPr kumimoji="1" lang="zh-CN" altLang="en-US" sz="1600" spc="80" dirty="0"/>
+              <a:t>。        。        。        。        。        。        。        。        。        。        。        。        。</a:t>
+            </a:r>
+          </a:p>
+        </p:txBody>
+      </p:sp>
+      <p:sp>
+        <p:nvSpPr>
+          <p:cNvPr id="7" name="文本框 6">
+            <a:extLst>
+              <a:ext uri="{FF2B5EF4-FFF2-40B4-BE49-F238E27FC236}">
+                <a16:creationId xmlns:a16="http://schemas.microsoft.com/office/drawing/2014/main" id="{C040AC83-BB40-53F3-04AF-F8913E118474}"/>
+              </a:ext>
+            </a:extLst>
+          </p:cNvPr>
+          <p:cNvSpPr txBox="1"/>
+          <p:nvPr/>
+        </p:nvSpPr>
+        <p:spPr>
+          <a:xfrm>
+            <a:off x="1340284" y="2725982"/>
+            <a:ext cx="9496189" cy="338554"/>
+          </a:xfrm>
+          <a:prstGeom prst="rect">
+            <a:avLst/>
+          </a:prstGeom>
+          <a:noFill/>
+        </p:spPr>
+        <p:txBody>
+          <a:bodyPr wrap="none" rtlCol="0">
+            <a:spAutoFit/>
+          </a:bodyPr>
+          <a:lstStyle/>
+          <a:p>
+            <a:r>
+              <a:rPr kumimoji="1" lang="zh-CN" altLang="en-US" sz="1600" spc="80" dirty="0"/>
+              <a:t>。        。        。        。        。        。        。        。        。        。        。        。        。</a:t>
+            </a:r>
+          </a:p>
+        </p:txBody>
+      </p:sp>
+      <p:sp>
+        <p:nvSpPr>
+          <p:cNvPr id="8" name="文本框 7">
+            <a:extLst>
+              <a:ext uri="{FF2B5EF4-FFF2-40B4-BE49-F238E27FC236}">
+                <a16:creationId xmlns:a16="http://schemas.microsoft.com/office/drawing/2014/main" id="{6F3C717A-6D25-C09C-F731-61C850E6BA0C}"/>
+              </a:ext>
+            </a:extLst>
+          </p:cNvPr>
+          <p:cNvSpPr txBox="1"/>
+          <p:nvPr/>
+        </p:nvSpPr>
+        <p:spPr>
+          <a:xfrm>
+            <a:off x="1340284" y="3429000"/>
+            <a:ext cx="9496189" cy="338554"/>
+          </a:xfrm>
+          <a:prstGeom prst="rect">
+            <a:avLst/>
+          </a:prstGeom>
+          <a:noFill/>
+        </p:spPr>
+        <p:txBody>
+          <a:bodyPr wrap="none" rtlCol="0">
+            <a:spAutoFit/>
+          </a:bodyPr>
+          <a:lstStyle/>
+          <a:p>
+            <a:r>
+              <a:rPr kumimoji="1" lang="zh-CN" altLang="en-US" sz="1600" spc="80" dirty="0"/>
+              <a:t>。        。        。        。        。        。        。        。        。        。        。        。        。</a:t>
+            </a:r>
+          </a:p>
+        </p:txBody>
+      </p:sp>
+      <p:sp>
+        <p:nvSpPr>
+          <p:cNvPr id="9" name="文本框 8">
+            <a:extLst>
+              <a:ext uri="{FF2B5EF4-FFF2-40B4-BE49-F238E27FC236}">
+                <a16:creationId xmlns:a16="http://schemas.microsoft.com/office/drawing/2014/main" id="{AFB6A7DF-F1B4-B90A-ED82-C7F039049597}"/>
+              </a:ext>
+            </a:extLst>
+          </p:cNvPr>
+          <p:cNvSpPr txBox="1"/>
+          <p:nvPr/>
+        </p:nvSpPr>
+        <p:spPr>
+          <a:xfrm>
+            <a:off x="7631942" y="3430604"/>
+            <a:ext cx="400110" cy="338554"/>
+          </a:xfrm>
+          <a:prstGeom prst="rect">
+            <a:avLst/>
+          </a:prstGeom>
+          <a:noFill/>
+        </p:spPr>
+        <p:txBody>
+          <a:bodyPr wrap="none" rtlCol="0">
+            <a:spAutoFit/>
+          </a:bodyPr>
+          <a:lstStyle/>
+          <a:p>
+            <a:r>
+              <a:rPr kumimoji="1" lang="zh-CN" altLang="en-US" sz="1600" spc="80" dirty="0"/>
+              <a:t>。</a:t>
+            </a:r>
+          </a:p>
+        </p:txBody>
+      </p:sp>
+    </p:spTree>
+    <p:extLst>
+      <p:ext uri="{BB962C8B-B14F-4D97-AF65-F5344CB8AC3E}">
+        <p14:creationId xmlns:p14="http://schemas.microsoft.com/office/powerpoint/2010/main" val="2662822905"/>
       </p:ext>
     </p:extLst>
   </p:cSld>
